--- a/thesis/hch2/label_template.pptx
+++ b/thesis/hch2/label_template.pptx
@@ -104,6 +104,11 @@
       </a:defRPr>
     </a:lvl9pPr>
   </p:defaultTextStyle>
+  <p:extLst>
+    <p:ext uri="{EFAFB233-063F-42B5-8137-9DF3F51BA10A}">
+      <p15:sldGuideLst xmlns:p15="http://schemas.microsoft.com/office/powerpoint/2012/main"/>
+    </p:ext>
+  </p:extLst>
 </p:presentation>
 </file>
 
@@ -238,7 +243,7 @@
           <a:p>
             <a:fld id="{D52F0B9B-D7CA-4DDC-BB81-17813DACBA5E}" type="datetimeFigureOut">
               <a:rPr lang="en-GB" smtClean="0"/>
-              <a:t>16/01/2021</a:t>
+              <a:t>17/01/2021</a:t>
             </a:fld>
             <a:endParaRPr lang="en-GB"/>
           </a:p>
@@ -408,7 +413,7 @@
           <a:p>
             <a:fld id="{D52F0B9B-D7CA-4DDC-BB81-17813DACBA5E}" type="datetimeFigureOut">
               <a:rPr lang="en-GB" smtClean="0"/>
-              <a:t>16/01/2021</a:t>
+              <a:t>17/01/2021</a:t>
             </a:fld>
             <a:endParaRPr lang="en-GB"/>
           </a:p>
@@ -588,7 +593,7 @@
           <a:p>
             <a:fld id="{D52F0B9B-D7CA-4DDC-BB81-17813DACBA5E}" type="datetimeFigureOut">
               <a:rPr lang="en-GB" smtClean="0"/>
-              <a:t>16/01/2021</a:t>
+              <a:t>17/01/2021</a:t>
             </a:fld>
             <a:endParaRPr lang="en-GB"/>
           </a:p>
@@ -758,7 +763,7 @@
           <a:p>
             <a:fld id="{D52F0B9B-D7CA-4DDC-BB81-17813DACBA5E}" type="datetimeFigureOut">
               <a:rPr lang="en-GB" smtClean="0"/>
-              <a:t>16/01/2021</a:t>
+              <a:t>17/01/2021</a:t>
             </a:fld>
             <a:endParaRPr lang="en-GB"/>
           </a:p>
@@ -1002,7 +1007,7 @@
           <a:p>
             <a:fld id="{D52F0B9B-D7CA-4DDC-BB81-17813DACBA5E}" type="datetimeFigureOut">
               <a:rPr lang="en-GB" smtClean="0"/>
-              <a:t>16/01/2021</a:t>
+              <a:t>17/01/2021</a:t>
             </a:fld>
             <a:endParaRPr lang="en-GB"/>
           </a:p>
@@ -1234,7 +1239,7 @@
           <a:p>
             <a:fld id="{D52F0B9B-D7CA-4DDC-BB81-17813DACBA5E}" type="datetimeFigureOut">
               <a:rPr lang="en-GB" smtClean="0"/>
-              <a:t>16/01/2021</a:t>
+              <a:t>17/01/2021</a:t>
             </a:fld>
             <a:endParaRPr lang="en-GB"/>
           </a:p>
@@ -1601,7 +1606,7 @@
           <a:p>
             <a:fld id="{D52F0B9B-D7CA-4DDC-BB81-17813DACBA5E}" type="datetimeFigureOut">
               <a:rPr lang="en-GB" smtClean="0"/>
-              <a:t>16/01/2021</a:t>
+              <a:t>17/01/2021</a:t>
             </a:fld>
             <a:endParaRPr lang="en-GB"/>
           </a:p>
@@ -1719,7 +1724,7 @@
           <a:p>
             <a:fld id="{D52F0B9B-D7CA-4DDC-BB81-17813DACBA5E}" type="datetimeFigureOut">
               <a:rPr lang="en-GB" smtClean="0"/>
-              <a:t>16/01/2021</a:t>
+              <a:t>17/01/2021</a:t>
             </a:fld>
             <a:endParaRPr lang="en-GB"/>
           </a:p>
@@ -1814,7 +1819,7 @@
           <a:p>
             <a:fld id="{D52F0B9B-D7CA-4DDC-BB81-17813DACBA5E}" type="datetimeFigureOut">
               <a:rPr lang="en-GB" smtClean="0"/>
-              <a:t>16/01/2021</a:t>
+              <a:t>17/01/2021</a:t>
             </a:fld>
             <a:endParaRPr lang="en-GB"/>
           </a:p>
@@ -2091,7 +2096,7 @@
           <a:p>
             <a:fld id="{D52F0B9B-D7CA-4DDC-BB81-17813DACBA5E}" type="datetimeFigureOut">
               <a:rPr lang="en-GB" smtClean="0"/>
-              <a:t>16/01/2021</a:t>
+              <a:t>17/01/2021</a:t>
             </a:fld>
             <a:endParaRPr lang="en-GB"/>
           </a:p>
@@ -2348,7 +2353,7 @@
           <a:p>
             <a:fld id="{D52F0B9B-D7CA-4DDC-BB81-17813DACBA5E}" type="datetimeFigureOut">
               <a:rPr lang="en-GB" smtClean="0"/>
-              <a:t>16/01/2021</a:t>
+              <a:t>17/01/2021</a:t>
             </a:fld>
             <a:endParaRPr lang="en-GB"/>
           </a:p>
@@ -2561,7 +2566,7 @@
           <a:p>
             <a:fld id="{D52F0B9B-D7CA-4DDC-BB81-17813DACBA5E}" type="datetimeFigureOut">
               <a:rPr lang="en-GB" smtClean="0"/>
-              <a:t>16/01/2021</a:t>
+              <a:t>17/01/2021</a:t>
             </a:fld>
             <a:endParaRPr lang="en-GB"/>
           </a:p>
@@ -2982,13 +2987,13 @@
             <p:ph idx="1"/>
             <p:extLst>
               <p:ext uri="{D42A27DB-BD31-4B8C-83A1-F6EECF244321}">
-                <p14:modId xmlns:p14="http://schemas.microsoft.com/office/powerpoint/2010/main" val="533013415"/>
+                <p14:modId xmlns:p14="http://schemas.microsoft.com/office/powerpoint/2010/main" val="1417952344"/>
               </p:ext>
             </p:extLst>
           </p:nvPr>
         </p:nvGraphicFramePr>
         <p:xfrm>
-          <a:off x="2" y="323851"/>
+          <a:off x="2" y="152401"/>
           <a:ext cx="6858000" cy="9405435"/>
         </p:xfrm>
         <a:graphic>
@@ -3107,7 +3112,7 @@
                     <a:bodyPr/>
                     <a:lstStyle/>
                     <a:p>
-                      <a:endParaRPr lang="en-GB"/>
+                      <a:endParaRPr lang="en-GB" dirty="0"/>
                     </a:p>
                   </a:txBody>
                   <a:tcPr marL="36000" marR="36000" marT="0" marB="0" anchor="ctr">
@@ -3217,20 +3222,97 @@
                           <a:spcPts val="600"/>
                         </a:spcAft>
                       </a:pPr>
-                      <a:r>
-                        <a:rPr lang="en-GB" sz="1800" b="1" dirty="0">
-                          <a:solidFill>
-                            <a:schemeClr val="tx1"/>
-                          </a:solidFill>
-                        </a:rPr>
-                        <a:t>Dr Afolabi</a:t>
-                      </a:r>
-                    </a:p>
+                      <a:endParaRPr lang="en-GB" sz="1800" b="1" dirty="0">
+                        <a:solidFill>
+                          <a:schemeClr val="tx1"/>
+                        </a:solidFill>
+                      </a:endParaRPr>
+                    </a:p>
+                  </a:txBody>
+                  <a:tcPr marL="36000" marR="36000" marT="0" marB="0" anchor="ctr">
+                    <a:lnL w="12700" cmpd="sng">
+                      <a:noFill/>
+                    </a:lnL>
+                    <a:lnR w="12700" cmpd="sng">
+                      <a:noFill/>
+                    </a:lnR>
+                    <a:lnT w="12700" cmpd="sng">
+                      <a:noFill/>
+                    </a:lnT>
+                    <a:lnB w="12700" cmpd="sng">
+                      <a:noFill/>
+                    </a:lnB>
+                    <a:lnTlToBr w="12700" cmpd="sng">
+                      <a:noFill/>
+                      <a:prstDash val="solid"/>
+                    </a:lnTlToBr>
+                    <a:lnBlToTr w="12700" cmpd="sng">
+                      <a:noFill/>
+                      <a:prstDash val="solid"/>
+                    </a:lnBlToTr>
+                  </a:tcPr>
+                </a:tc>
+                <a:tc>
+                  <a:txBody>
+                    <a:bodyPr/>
+                    <a:lstStyle/>
                     <a:p>
                       <a:pPr algn="ctr">
                         <a:spcAft>
                           <a:spcPts val="600"/>
                         </a:spcAft>
+                      </a:pPr>
+                      <a:endParaRPr lang="en-GB" sz="1800" b="1" dirty="0">
+                        <a:solidFill>
+                          <a:schemeClr val="tx1"/>
+                        </a:solidFill>
+                      </a:endParaRPr>
+                    </a:p>
+                  </a:txBody>
+                  <a:tcPr marL="36000" marR="36000" marT="0" marB="0" anchor="ctr">
+                    <a:lnL w="12700" cmpd="sng">
+                      <a:noFill/>
+                    </a:lnL>
+                    <a:lnR w="12700" cmpd="sng">
+                      <a:noFill/>
+                    </a:lnR>
+                    <a:lnT w="12700" cmpd="sng">
+                      <a:noFill/>
+                    </a:lnT>
+                    <a:lnB w="12700" cmpd="sng">
+                      <a:noFill/>
+                    </a:lnB>
+                    <a:lnTlToBr w="12700" cmpd="sng">
+                      <a:noFill/>
+                      <a:prstDash val="solid"/>
+                    </a:lnTlToBr>
+                    <a:lnBlToTr w="12700" cmpd="sng">
+                      <a:noFill/>
+                      <a:prstDash val="solid"/>
+                    </a:lnBlToTr>
+                  </a:tcPr>
+                </a:tc>
+                <a:tc>
+                  <a:txBody>
+                    <a:bodyPr/>
+                    <a:lstStyle/>
+                    <a:p>
+                      <a:pPr marL="0" marR="0" lvl="0" indent="0" algn="ctr" defTabSz="685800" rtl="0" eaLnBrk="1" fontAlgn="auto" latinLnBrk="0" hangingPunct="1">
+                        <a:lnSpc>
+                          <a:spcPct val="100000"/>
+                        </a:lnSpc>
+                        <a:spcBef>
+                          <a:spcPts val="0"/>
+                        </a:spcBef>
+                        <a:spcAft>
+                          <a:spcPts val="600"/>
+                        </a:spcAft>
+                        <a:buClrTx/>
+                        <a:buSzTx/>
+                        <a:buFontTx/>
+                        <a:buNone/>
+                        <a:tabLst/>
+                        <a:defRPr/>
                       </a:pPr>
                       <a:r>
                         <a:rPr lang="en-GB" sz="1800" b="1" dirty="0">
@@ -3238,95 +3320,9 @@
                             <a:schemeClr val="tx1"/>
                           </a:solidFill>
                         </a:rPr>
-                        <a:t>Pastor Amos</a:t>
+                        <a:t>Fogo</a:t>
                       </a:r>
                     </a:p>
-                  </a:txBody>
-                  <a:tcPr marL="36000" marR="36000" marT="0" marB="0" anchor="ctr">
-                    <a:lnL w="12700" cmpd="sng">
-                      <a:noFill/>
-                    </a:lnL>
-                    <a:lnR w="12700" cmpd="sng">
-                      <a:noFill/>
-                    </a:lnR>
-                    <a:lnT w="12700" cmpd="sng">
-                      <a:noFill/>
-                    </a:lnT>
-                    <a:lnB w="12700" cmpd="sng">
-                      <a:noFill/>
-                    </a:lnB>
-                    <a:lnTlToBr w="12700" cmpd="sng">
-                      <a:noFill/>
-                      <a:prstDash val="solid"/>
-                    </a:lnTlToBr>
-                    <a:lnBlToTr w="12700" cmpd="sng">
-                      <a:noFill/>
-                      <a:prstDash val="solid"/>
-                    </a:lnBlToTr>
-                  </a:tcPr>
-                </a:tc>
-                <a:tc>
-                  <a:txBody>
-                    <a:bodyPr/>
-                    <a:lstStyle/>
-                    <a:p>
-                      <a:pPr algn="ctr">
-                        <a:spcAft>
-                          <a:spcPts val="600"/>
-                        </a:spcAft>
-                      </a:pPr>
-                      <a:r>
-                        <a:rPr lang="en-GB" sz="1800" b="1" dirty="0">
-                          <a:solidFill>
-                            <a:schemeClr val="tx1"/>
-                          </a:solidFill>
-                        </a:rPr>
-                        <a:t>Dr Ebube</a:t>
-                      </a:r>
-                    </a:p>
-                    <a:p>
-                      <a:pPr algn="ctr">
-                        <a:spcAft>
-                          <a:spcPts val="600"/>
-                        </a:spcAft>
-                      </a:pPr>
-                      <a:r>
-                        <a:rPr lang="en-GB" sz="1800" b="1" dirty="0">
-                          <a:solidFill>
-                            <a:schemeClr val="tx1"/>
-                          </a:solidFill>
-                        </a:rPr>
-                        <a:t>John</a:t>
-                      </a:r>
-                    </a:p>
-                  </a:txBody>
-                  <a:tcPr marL="36000" marR="36000" marT="0" marB="0" anchor="ctr">
-                    <a:lnL w="12700" cmpd="sng">
-                      <a:noFill/>
-                    </a:lnL>
-                    <a:lnR w="12700" cmpd="sng">
-                      <a:noFill/>
-                    </a:lnR>
-                    <a:lnT w="12700" cmpd="sng">
-                      <a:noFill/>
-                    </a:lnT>
-                    <a:lnB w="12700" cmpd="sng">
-                      <a:noFill/>
-                    </a:lnB>
-                    <a:lnTlToBr w="12700" cmpd="sng">
-                      <a:noFill/>
-                      <a:prstDash val="solid"/>
-                    </a:lnTlToBr>
-                    <a:lnBlToTr w="12700" cmpd="sng">
-                      <a:noFill/>
-                      <a:prstDash val="solid"/>
-                    </a:lnBlToTr>
-                  </a:tcPr>
-                </a:tc>
-                <a:tc>
-                  <a:txBody>
-                    <a:bodyPr/>
-                    <a:lstStyle/>
                     <a:p>
                       <a:pPr algn="ctr">
                         <a:spcAft>
